--- a/Presentation.pptx
+++ b/Presentation.pptx
@@ -6529,31 +6529,436 @@
           </a:prstGeom>
         </p:spPr>
       </p:pic>
-      <p:sp>
-        <p:nvSpPr>
-          <p:cNvPr id="9" name="Textplatzhalter 8">
+      <p:graphicFrame>
+        <p:nvGraphicFramePr>
+          <p:cNvPr id="3" name="Tabelle 2">
             <a:extLst>
               <a:ext uri="{FF2B5EF4-FFF2-40B4-BE49-F238E27FC236}">
-                <a16:creationId xmlns:a16="http://schemas.microsoft.com/office/drawing/2014/main" id="{E43D0054-068D-14AB-C789-8F60E95CCA18}"/>
+                <a16:creationId xmlns:a16="http://schemas.microsoft.com/office/drawing/2014/main" id="{E7771EDA-139B-4C02-EA6B-E5FC37B69B19}"/>
               </a:ext>
             </a:extLst>
           </p:cNvPr>
-          <p:cNvSpPr>
-            <a:spLocks noGrp="1"/>
-          </p:cNvSpPr>
-          <p:nvPr>
-            <p:ph type="body" sz="half" idx="2"/>
-          </p:nvPr>
-        </p:nvSpPr>
-        <p:spPr/>
-        <p:txBody>
-          <a:bodyPr/>
-          <a:lstStyle/>
-          <a:p>
-            <a:endParaRPr lang="de-CH" dirty="0"/>
-          </a:p>
-        </p:txBody>
-      </p:sp>
+          <p:cNvGraphicFramePr>
+            <a:graphicFrameLocks noGrp="1"/>
+          </p:cNvGraphicFramePr>
+          <p:nvPr>
+            <p:extLst>
+              <p:ext uri="{D42A27DB-BD31-4B8C-83A1-F6EECF244321}">
+                <p14:modId xmlns:p14="http://schemas.microsoft.com/office/powerpoint/2010/main" val="2049468821"/>
+              </p:ext>
+            </p:extLst>
+          </p:nvPr>
+        </p:nvGraphicFramePr>
+        <p:xfrm>
+          <a:off x="553673" y="1358600"/>
+          <a:ext cx="9119764" cy="2686554"/>
+        </p:xfrm>
+        <a:graphic>
+          <a:graphicData uri="http://schemas.openxmlformats.org/drawingml/2006/table">
+            <a:tbl>
+              <a:tblPr firstRow="1" bandRow="1">
+                <a:tableStyleId>{3C2FFA5D-87B4-456A-9821-1D502468CF0F}</a:tableStyleId>
+              </a:tblPr>
+              <a:tblGrid>
+                <a:gridCol w="2279941">
+                  <a:extLst>
+                    <a:ext uri="{9D8B030D-6E8A-4147-A177-3AD203B41FA5}">
+                      <a16:colId xmlns:a16="http://schemas.microsoft.com/office/drawing/2014/main" val="1378875768"/>
+                    </a:ext>
+                  </a:extLst>
+                </a:gridCol>
+                <a:gridCol w="1478327">
+                  <a:extLst>
+                    <a:ext uri="{9D8B030D-6E8A-4147-A177-3AD203B41FA5}">
+                      <a16:colId xmlns:a16="http://schemas.microsoft.com/office/drawing/2014/main" val="3030618424"/>
+                    </a:ext>
+                  </a:extLst>
+                </a:gridCol>
+                <a:gridCol w="1702965">
+                  <a:extLst>
+                    <a:ext uri="{9D8B030D-6E8A-4147-A177-3AD203B41FA5}">
+                      <a16:colId xmlns:a16="http://schemas.microsoft.com/office/drawing/2014/main" val="2458764399"/>
+                    </a:ext>
+                  </a:extLst>
+                </a:gridCol>
+                <a:gridCol w="3658531">
+                  <a:extLst>
+                    <a:ext uri="{9D8B030D-6E8A-4147-A177-3AD203B41FA5}">
+                      <a16:colId xmlns:a16="http://schemas.microsoft.com/office/drawing/2014/main" val="1777277318"/>
+                    </a:ext>
+                  </a:extLst>
+                </a:gridCol>
+              </a:tblGrid>
+              <a:tr h="814149">
+                <a:tc>
+                  <a:txBody>
+                    <a:bodyPr/>
+                    <a:lstStyle/>
+                    <a:p>
+                      <a:r>
+                        <a:rPr lang="de-CH" dirty="0"/>
+                        <a:t>Model</a:t>
+                      </a:r>
+                    </a:p>
+                  </a:txBody>
+                  <a:tcPr/>
+                </a:tc>
+                <a:tc>
+                  <a:txBody>
+                    <a:bodyPr/>
+                    <a:lstStyle/>
+                    <a:p>
+                      <a:r>
+                        <a:rPr lang="de-CH" dirty="0"/>
+                        <a:t>Size</a:t>
+                      </a:r>
+                    </a:p>
+                    <a:p>
+                      <a:r>
+                        <a:rPr lang="de-CH" dirty="0"/>
+                        <a:t>(Download)</a:t>
+                      </a:r>
+                    </a:p>
+                  </a:txBody>
+                  <a:tcPr/>
+                </a:tc>
+                <a:tc>
+                  <a:txBody>
+                    <a:bodyPr/>
+                    <a:lstStyle/>
+                    <a:p>
+                      <a:r>
+                        <a:rPr lang="de-CH" dirty="0"/>
+                        <a:t>Time (</a:t>
+                      </a:r>
+                      <a:r>
+                        <a:rPr lang="de-CH" dirty="0" err="1"/>
+                        <a:t>mean</a:t>
+                      </a:r>
+                      <a:r>
+                        <a:rPr lang="de-CH" dirty="0"/>
+                        <a:t>)</a:t>
+                      </a:r>
+                    </a:p>
+                  </a:txBody>
+                  <a:tcPr/>
+                </a:tc>
+                <a:tc>
+                  <a:txBody>
+                    <a:bodyPr/>
+                    <a:lstStyle/>
+                    <a:p>
+                      <a:r>
+                        <a:rPr lang="de-CH" dirty="0" err="1"/>
+                        <a:t>Answer</a:t>
+                      </a:r>
+                      <a:r>
+                        <a:rPr lang="de-CH" dirty="0"/>
+                        <a:t>-Quality</a:t>
+                      </a:r>
+                    </a:p>
+                  </a:txBody>
+                  <a:tcPr/>
+                </a:tc>
+                <a:extLst>
+                  <a:ext uri="{0D108BD9-81ED-4DB2-BD59-A6C34878D82A}">
+                    <a16:rowId xmlns:a16="http://schemas.microsoft.com/office/drawing/2014/main" val="3503533447"/>
+                  </a:ext>
+                </a:extLst>
+              </a:tr>
+              <a:tr h="404964">
+                <a:tc>
+                  <a:txBody>
+                    <a:bodyPr/>
+                    <a:lstStyle/>
+                    <a:p>
+                      <a:r>
+                        <a:rPr lang="de-CH" dirty="0"/>
+                        <a:t>Apollo-7B</a:t>
+                      </a:r>
+                    </a:p>
+                  </a:txBody>
+                  <a:tcPr/>
+                </a:tc>
+                <a:tc>
+                  <a:txBody>
+                    <a:bodyPr/>
+                    <a:lstStyle/>
+                    <a:p>
+                      <a:r>
+                        <a:rPr lang="de-CH" dirty="0"/>
+                        <a:t>6.2GB</a:t>
+                      </a:r>
+                    </a:p>
+                  </a:txBody>
+                  <a:tcPr/>
+                </a:tc>
+                <a:tc>
+                  <a:txBody>
+                    <a:bodyPr/>
+                    <a:lstStyle/>
+                    <a:p>
+                      <a:r>
+                        <a:rPr lang="de-CH" dirty="0"/>
+                        <a:t>64</a:t>
+                      </a:r>
+                    </a:p>
+                  </a:txBody>
+                  <a:tcPr/>
+                </a:tc>
+                <a:tc>
+                  <a:txBody>
+                    <a:bodyPr/>
+                    <a:lstStyle/>
+                    <a:p>
+                      <a:r>
+                        <a:rPr lang="de-CH" dirty="0"/>
+                        <a:t>13/15</a:t>
+                      </a:r>
+                    </a:p>
+                  </a:txBody>
+                  <a:tcPr/>
+                </a:tc>
+                <a:extLst>
+                  <a:ext uri="{0D108BD9-81ED-4DB2-BD59-A6C34878D82A}">
+                    <a16:rowId xmlns:a16="http://schemas.microsoft.com/office/drawing/2014/main" val="1682953800"/>
+                  </a:ext>
+                </a:extLst>
+              </a:tr>
+              <a:tr h="287206">
+                <a:tc>
+                  <a:txBody>
+                    <a:bodyPr/>
+                    <a:lstStyle/>
+                    <a:p>
+                      <a:r>
+                        <a:rPr lang="de-CH" dirty="0"/>
+                        <a:t>Gemma-7B</a:t>
+                      </a:r>
+                    </a:p>
+                  </a:txBody>
+                  <a:tcPr/>
+                </a:tc>
+                <a:tc>
+                  <a:txBody>
+                    <a:bodyPr/>
+                    <a:lstStyle/>
+                    <a:p>
+                      <a:r>
+                        <a:rPr lang="de-CH" dirty="0"/>
+                        <a:t>34GB</a:t>
+                      </a:r>
+                    </a:p>
+                  </a:txBody>
+                  <a:tcPr/>
+                </a:tc>
+                <a:tc>
+                  <a:txBody>
+                    <a:bodyPr/>
+                    <a:lstStyle/>
+                    <a:p>
+                      <a:endParaRPr lang="de-CH" dirty="0"/>
+                    </a:p>
+                  </a:txBody>
+                  <a:tcPr/>
+                </a:tc>
+                <a:tc>
+                  <a:txBody>
+                    <a:bodyPr/>
+                    <a:lstStyle/>
+                    <a:p>
+                      <a:endParaRPr lang="de-CH" dirty="0"/>
+                    </a:p>
+                  </a:txBody>
+                  <a:tcPr/>
+                </a:tc>
+                <a:extLst>
+                  <a:ext uri="{0D108BD9-81ED-4DB2-BD59-A6C34878D82A}">
+                    <a16:rowId xmlns:a16="http://schemas.microsoft.com/office/drawing/2014/main" val="3205406170"/>
+                  </a:ext>
+                </a:extLst>
+              </a:tr>
+              <a:tr h="328839">
+                <a:tc>
+                  <a:txBody>
+                    <a:bodyPr/>
+                    <a:lstStyle/>
+                    <a:p>
+                      <a:r>
+                        <a:rPr lang="de-CH" dirty="0"/>
+                        <a:t>Llama2-7B</a:t>
+                      </a:r>
+                    </a:p>
+                  </a:txBody>
+                  <a:tcPr/>
+                </a:tc>
+                <a:tc>
+                  <a:txBody>
+                    <a:bodyPr/>
+                    <a:lstStyle/>
+                    <a:p>
+                      <a:r>
+                        <a:rPr lang="de-CH" dirty="0"/>
+                        <a:t>7.1GB</a:t>
+                      </a:r>
+                    </a:p>
+                  </a:txBody>
+                  <a:tcPr/>
+                </a:tc>
+                <a:tc>
+                  <a:txBody>
+                    <a:bodyPr/>
+                    <a:lstStyle/>
+                    <a:p>
+                      <a:r>
+                        <a:rPr lang="de-CH" dirty="0"/>
+                        <a:t>87</a:t>
+                      </a:r>
+                    </a:p>
+                  </a:txBody>
+                  <a:tcPr/>
+                </a:tc>
+                <a:tc>
+                  <a:txBody>
+                    <a:bodyPr/>
+                    <a:lstStyle/>
+                    <a:p>
+                      <a:r>
+                        <a:rPr lang="de-CH" dirty="0"/>
+                        <a:t>6/15</a:t>
+                      </a:r>
+                    </a:p>
+                  </a:txBody>
+                  <a:tcPr/>
+                </a:tc>
+                <a:extLst>
+                  <a:ext uri="{0D108BD9-81ED-4DB2-BD59-A6C34878D82A}">
+                    <a16:rowId xmlns:a16="http://schemas.microsoft.com/office/drawing/2014/main" val="1441396919"/>
+                  </a:ext>
+                </a:extLst>
+              </a:tr>
+              <a:tr h="135581">
+                <a:tc>
+                  <a:txBody>
+                    <a:bodyPr/>
+                    <a:lstStyle/>
+                    <a:p>
+                      <a:r>
+                        <a:rPr lang="de-CH" dirty="0"/>
+                        <a:t>Mistral-7B</a:t>
+                      </a:r>
+                    </a:p>
+                  </a:txBody>
+                  <a:tcPr/>
+                </a:tc>
+                <a:tc>
+                  <a:txBody>
+                    <a:bodyPr/>
+                    <a:lstStyle/>
+                    <a:p>
+                      <a:r>
+                        <a:rPr lang="de-CH" dirty="0"/>
+                        <a:t>4.1GB</a:t>
+                      </a:r>
+                    </a:p>
+                  </a:txBody>
+                  <a:tcPr/>
+                </a:tc>
+                <a:tc>
+                  <a:txBody>
+                    <a:bodyPr/>
+                    <a:lstStyle/>
+                    <a:p>
+                      <a:r>
+                        <a:rPr lang="de-CH" dirty="0"/>
+                        <a:t>114</a:t>
+                      </a:r>
+                    </a:p>
+                  </a:txBody>
+                  <a:tcPr/>
+                </a:tc>
+                <a:tc>
+                  <a:txBody>
+                    <a:bodyPr/>
+                    <a:lstStyle/>
+                    <a:p>
+                      <a:r>
+                        <a:rPr lang="de-CH" dirty="0"/>
+                        <a:t>13/15</a:t>
+                      </a:r>
+                    </a:p>
+                  </a:txBody>
+                  <a:tcPr/>
+                </a:tc>
+                <a:extLst>
+                  <a:ext uri="{0D108BD9-81ED-4DB2-BD59-A6C34878D82A}">
+                    <a16:rowId xmlns:a16="http://schemas.microsoft.com/office/drawing/2014/main" val="3542456518"/>
+                  </a:ext>
+                </a:extLst>
+              </a:tr>
+              <a:tr h="370161">
+                <a:tc>
+                  <a:txBody>
+                    <a:bodyPr/>
+                    <a:lstStyle/>
+                    <a:p>
+                      <a:r>
+                        <a:rPr lang="de-CH" dirty="0"/>
+                        <a:t>Orca-mini-3B</a:t>
+                      </a:r>
+                    </a:p>
+                  </a:txBody>
+                  <a:tcPr/>
+                </a:tc>
+                <a:tc>
+                  <a:txBody>
+                    <a:bodyPr/>
+                    <a:lstStyle/>
+                    <a:p>
+                      <a:r>
+                        <a:rPr lang="de-CH" dirty="0"/>
+                        <a:t>1.9GB</a:t>
+                      </a:r>
+                    </a:p>
+                  </a:txBody>
+                  <a:tcPr/>
+                </a:tc>
+                <a:tc>
+                  <a:txBody>
+                    <a:bodyPr/>
+                    <a:lstStyle/>
+                    <a:p>
+                      <a:r>
+                        <a:rPr lang="de-CH" dirty="0"/>
+                        <a:t>101</a:t>
+                      </a:r>
+                    </a:p>
+                  </a:txBody>
+                  <a:tcPr/>
+                </a:tc>
+                <a:tc>
+                  <a:txBody>
+                    <a:bodyPr/>
+                    <a:lstStyle/>
+                    <a:p>
+                      <a:r>
+                        <a:rPr lang="de-CH" dirty="0"/>
+                        <a:t>1/15</a:t>
+                      </a:r>
+                    </a:p>
+                  </a:txBody>
+                  <a:tcPr/>
+                </a:tc>
+                <a:extLst>
+                  <a:ext uri="{0D108BD9-81ED-4DB2-BD59-A6C34878D82A}">
+                    <a16:rowId xmlns:a16="http://schemas.microsoft.com/office/drawing/2014/main" val="1449027001"/>
+                  </a:ext>
+                </a:extLst>
+              </a:tr>
+            </a:tbl>
+          </a:graphicData>
+        </a:graphic>
+      </p:graphicFrame>
     </p:spTree>
     <p:extLst>
       <p:ext uri="{BB962C8B-B14F-4D97-AF65-F5344CB8AC3E}">

--- a/Presentation.pptx
+++ b/Presentation.pptx
@@ -6544,7 +6544,7 @@
           <p:nvPr>
             <p:extLst>
               <p:ext uri="{D42A27DB-BD31-4B8C-83A1-F6EECF244321}">
-                <p14:modId xmlns:p14="http://schemas.microsoft.com/office/powerpoint/2010/main" val="2049468821"/>
+                <p14:modId xmlns:p14="http://schemas.microsoft.com/office/powerpoint/2010/main" val="3002043596"/>
               </p:ext>
             </p:extLst>
           </p:nvPr>
@@ -6649,12 +6649,8 @@
                     <a:lstStyle/>
                     <a:p>
                       <a:r>
-                        <a:rPr lang="de-CH" dirty="0" err="1"/>
-                        <a:t>Answer</a:t>
-                      </a:r>
-                      <a:r>
                         <a:rPr lang="de-CH" dirty="0"/>
-                        <a:t>-Quality</a:t>
+                        <a:t>Quality</a:t>
                       </a:r>
                     </a:p>
                   </a:txBody>
@@ -6685,6 +6681,7 @@
                     <a:bodyPr/>
                     <a:lstStyle/>
                     <a:p>
+                      <a:pPr algn="r"/>
                       <a:r>
                         <a:rPr lang="de-CH" dirty="0"/>
                         <a:t>6.2GB</a:t>
@@ -6698,6 +6695,7 @@
                     <a:bodyPr/>
                     <a:lstStyle/>
                     <a:p>
+                      <a:pPr algn="r"/>
                       <a:r>
                         <a:rPr lang="de-CH" dirty="0"/>
                         <a:t>64</a:t>
@@ -6711,6 +6709,7 @@
                     <a:bodyPr/>
                     <a:lstStyle/>
                     <a:p>
+                      <a:pPr algn="r"/>
                       <a:r>
                         <a:rPr lang="de-CH" dirty="0"/>
                         <a:t>13/15</a:t>
@@ -6744,6 +6743,7 @@
                     <a:bodyPr/>
                     <a:lstStyle/>
                     <a:p>
+                      <a:pPr algn="r"/>
                       <a:r>
                         <a:rPr lang="de-CH" dirty="0"/>
                         <a:t>34GB</a:t>
@@ -6757,7 +6757,11 @@
                     <a:bodyPr/>
                     <a:lstStyle/>
                     <a:p>
-                      <a:endParaRPr lang="de-CH" dirty="0"/>
+                      <a:pPr algn="r"/>
+                      <a:r>
+                        <a:rPr lang="de-CH" dirty="0"/>
+                        <a:t>11603</a:t>
+                      </a:r>
                     </a:p>
                   </a:txBody>
                   <a:tcPr/>
@@ -6767,7 +6771,11 @@
                     <a:bodyPr/>
                     <a:lstStyle/>
                     <a:p>
-                      <a:endParaRPr lang="de-CH" dirty="0"/>
+                      <a:pPr algn="r"/>
+                      <a:r>
+                        <a:rPr lang="de-CH" dirty="0"/>
+                        <a:t>n/a</a:t>
+                      </a:r>
                     </a:p>
                   </a:txBody>
                   <a:tcPr/>
@@ -6797,6 +6805,7 @@
                     <a:bodyPr/>
                     <a:lstStyle/>
                     <a:p>
+                      <a:pPr algn="r"/>
                       <a:r>
                         <a:rPr lang="de-CH" dirty="0"/>
                         <a:t>7.1GB</a:t>
@@ -6810,6 +6819,7 @@
                     <a:bodyPr/>
                     <a:lstStyle/>
                     <a:p>
+                      <a:pPr algn="r"/>
                       <a:r>
                         <a:rPr lang="de-CH" dirty="0"/>
                         <a:t>87</a:t>
@@ -6823,6 +6833,7 @@
                     <a:bodyPr/>
                     <a:lstStyle/>
                     <a:p>
+                      <a:pPr algn="r"/>
                       <a:r>
                         <a:rPr lang="de-CH" dirty="0"/>
                         <a:t>6/15</a:t>
@@ -6856,6 +6867,7 @@
                     <a:bodyPr/>
                     <a:lstStyle/>
                     <a:p>
+                      <a:pPr algn="r"/>
                       <a:r>
                         <a:rPr lang="de-CH" dirty="0"/>
                         <a:t>4.1GB</a:t>
@@ -6869,6 +6881,7 @@
                     <a:bodyPr/>
                     <a:lstStyle/>
                     <a:p>
+                      <a:pPr algn="r"/>
                       <a:r>
                         <a:rPr lang="de-CH" dirty="0"/>
                         <a:t>114</a:t>
@@ -6882,6 +6895,7 @@
                     <a:bodyPr/>
                     <a:lstStyle/>
                     <a:p>
+                      <a:pPr algn="r"/>
                       <a:r>
                         <a:rPr lang="de-CH" dirty="0"/>
                         <a:t>13/15</a:t>
@@ -6915,6 +6929,7 @@
                     <a:bodyPr/>
                     <a:lstStyle/>
                     <a:p>
+                      <a:pPr algn="r"/>
                       <a:r>
                         <a:rPr lang="de-CH" dirty="0"/>
                         <a:t>1.9GB</a:t>
@@ -6928,6 +6943,7 @@
                     <a:bodyPr/>
                     <a:lstStyle/>
                     <a:p>
+                      <a:pPr algn="r"/>
                       <a:r>
                         <a:rPr lang="de-CH" dirty="0"/>
                         <a:t>101</a:t>
@@ -6941,6 +6957,7 @@
                     <a:bodyPr/>
                     <a:lstStyle/>
                     <a:p>
+                      <a:pPr algn="r"/>
                       <a:r>
                         <a:rPr lang="de-CH" dirty="0"/>
                         <a:t>1/15</a:t>

--- a/Presentation.pptx
+++ b/Presentation.pptx
@@ -5,10 +5,10 @@
     <p:sldMasterId id="2147483684" r:id="rId1"/>
   </p:sldMasterIdLst>
   <p:notesMasterIdLst>
-    <p:notesMasterId r:id="rId8"/>
+    <p:notesMasterId r:id="rId9"/>
   </p:notesMasterIdLst>
   <p:handoutMasterIdLst>
-    <p:handoutMasterId r:id="rId9"/>
+    <p:handoutMasterId r:id="rId10"/>
   </p:handoutMasterIdLst>
   <p:sldIdLst>
     <p:sldId id="256" r:id="rId2"/>
@@ -16,7 +16,8 @@
     <p:sldId id="258" r:id="rId4"/>
     <p:sldId id="259" r:id="rId5"/>
     <p:sldId id="260" r:id="rId6"/>
-    <p:sldId id="265" r:id="rId7"/>
+    <p:sldId id="266" r:id="rId7"/>
+    <p:sldId id="265" r:id="rId8"/>
   </p:sldIdLst>
   <p:sldSz cx="12192000" cy="6858000"/>
   <p:notesSz cx="6858000" cy="9144000"/>
@@ -222,7 +223,7 @@
             <a:pPr rtl="0"/>
             <a:fld id="{E9C52F27-9568-449E-91AD-422D50F98681}" type="datetime1">
               <a:rPr lang="fr-FR" smtClean="0"/>
-              <a:t>26/01/2025</a:t>
+              <a:t>27/01/2025</a:t>
             </a:fld>
             <a:endParaRPr lang="fr-FR"/>
           </a:p>
@@ -404,7 +405,7 @@
             <a:pPr rtl="0"/>
             <a:fld id="{A74E5749-2F1F-4EC2-8B0E-C70BC8DC5653}" type="datetime1">
               <a:rPr lang="fr-FR" noProof="0" smtClean="0"/>
-              <a:t>26/01/2025</a:t>
+              <a:t>27/01/2025</a:t>
             </a:fld>
             <a:endParaRPr lang="fr-FR" noProof="0"/>
           </a:p>
@@ -1248,7 +1249,7 @@
             <a:pPr rtl="0"/>
             <a:fld id="{6A54D770-DDE2-496B-820F-2114146EA760}" type="datetime1">
               <a:rPr lang="fr-FR" noProof="0" smtClean="0"/>
-              <a:t>26/01/2025</a:t>
+              <a:t>27/01/2025</a:t>
             </a:fld>
             <a:endParaRPr lang="fr-FR" noProof="0"/>
           </a:p>
@@ -1502,7 +1503,7 @@
             <a:pPr rtl="0"/>
             <a:fld id="{F47F5C3C-8861-4EB8-8320-3C1423181046}" type="datetime1">
               <a:rPr lang="fr-FR" noProof="0" smtClean="0"/>
-              <a:t>26/01/2025</a:t>
+              <a:t>27/01/2025</a:t>
             </a:fld>
             <a:endParaRPr lang="fr-FR" noProof="0"/>
           </a:p>
@@ -2406,7 +2407,7 @@
             <a:pPr rtl="0"/>
             <a:fld id="{E4606CB2-5B10-4A19-B96D-1FD6460F6796}" type="datetime1">
               <a:rPr lang="fr-FR" noProof="0" smtClean="0"/>
-              <a:t>26/01/2025</a:t>
+              <a:t>27/01/2025</a:t>
             </a:fld>
             <a:endParaRPr lang="fr-FR" noProof="0"/>
           </a:p>
@@ -2590,7 +2591,7 @@
             <a:pPr rtl="0"/>
             <a:fld id="{20E64F76-0364-46F5-8499-341F81ACD65A}" type="datetime1">
               <a:rPr lang="fr-FR" noProof="0" smtClean="0"/>
-              <a:t>26/01/2025</a:t>
+              <a:t>27/01/2025</a:t>
             </a:fld>
             <a:endParaRPr lang="fr-FR" noProof="0"/>
           </a:p>
@@ -2902,7 +2903,7 @@
             <a:pPr rtl="0"/>
             <a:fld id="{2437BFB8-2C2D-4CF1-BFBA-B5FC691409F8}" type="datetime1">
               <a:rPr lang="fr-FR" noProof="0" smtClean="0"/>
-              <a:t>26/01/2025</a:t>
+              <a:t>27/01/2025</a:t>
             </a:fld>
             <a:endParaRPr lang="fr-FR" noProof="0"/>
           </a:p>
@@ -3142,7 +3143,7 @@
             <a:pPr rtl="0"/>
             <a:fld id="{417A4C62-B4E0-499F-B419-DF666510BD84}" type="datetime1">
               <a:rPr lang="fr-FR" noProof="0" smtClean="0"/>
-              <a:t>26/01/2025</a:t>
+              <a:t>27/01/2025</a:t>
             </a:fld>
             <a:endParaRPr lang="fr-FR" noProof="0"/>
           </a:p>
@@ -3566,7 +3567,7 @@
             <a:pPr rtl="0"/>
             <a:fld id="{831BD016-05E5-4C21-996D-A26E94AAB1B1}" type="datetime1">
               <a:rPr lang="fr-FR" noProof="0" smtClean="0"/>
-              <a:t>26/01/2025</a:t>
+              <a:t>27/01/2025</a:t>
             </a:fld>
             <a:endParaRPr lang="fr-FR" noProof="0"/>
           </a:p>
@@ -3730,7 +3731,7 @@
             <a:pPr rtl="0"/>
             <a:fld id="{CAEAF3DF-5F49-4400-A7AE-0E6B52C26D2C}" type="datetime1">
               <a:rPr lang="fr-FR" noProof="0" smtClean="0"/>
-              <a:t>26/01/2025</a:t>
+              <a:t>27/01/2025</a:t>
             </a:fld>
             <a:endParaRPr lang="fr-FR" noProof="0"/>
           </a:p>
@@ -3894,7 +3895,7 @@
             <a:pPr rtl="0"/>
             <a:fld id="{1EAA3E37-BB13-4D14-A6FF-D6BBE4E143C5}" type="datetime1">
               <a:rPr lang="fr-FR" noProof="0" smtClean="0"/>
-              <a:t>26/01/2025</a:t>
+              <a:t>27/01/2025</a:t>
             </a:fld>
             <a:endParaRPr lang="fr-FR" noProof="0"/>
           </a:p>
@@ -4103,7 +4104,7 @@
             <a:pPr rtl="0"/>
             <a:fld id="{722835AD-1804-4856-9953-CAB3D8B82790}" type="datetime1">
               <a:rPr lang="fr-FR" noProof="0" smtClean="0"/>
-              <a:t>26/01/2025</a:t>
+              <a:t>27/01/2025</a:t>
             </a:fld>
             <a:endParaRPr lang="fr-FR" noProof="0"/>
           </a:p>
@@ -4321,7 +4322,7 @@
             <a:pPr rtl="0"/>
             <a:fld id="{B13D94DF-4785-4777-A840-0F76AEA901CE}" type="datetime1">
               <a:rPr lang="fr-FR" noProof="0" smtClean="0"/>
-              <a:t>26/01/2025</a:t>
+              <a:t>27/01/2025</a:t>
             </a:fld>
             <a:endParaRPr lang="fr-FR" noProof="0"/>
           </a:p>
@@ -4682,7 +4683,7 @@
             <a:pPr rtl="0"/>
             <a:fld id="{6FDF2A45-B6FE-4314-8EE2-EF3AF27FABF1}" type="datetime1">
               <a:rPr lang="fr-FR" noProof="0" smtClean="0"/>
-              <a:t>26/01/2025</a:t>
+              <a:t>27/01/2025</a:t>
             </a:fld>
             <a:endParaRPr lang="fr-FR" noProof="0"/>
           </a:p>
@@ -7011,6 +7012,229 @@
           <p:cNvPr id="5" name="Inhaltsplatzhalter 4">
             <a:extLst>
               <a:ext uri="{FF2B5EF4-FFF2-40B4-BE49-F238E27FC236}">
+                <a16:creationId xmlns:a16="http://schemas.microsoft.com/office/drawing/2014/main" id="{3B5DE88E-7A88-7CD4-3E35-30CEF88890AC}"/>
+              </a:ext>
+            </a:extLst>
+          </p:cNvPr>
+          <p:cNvSpPr>
+            <a:spLocks noGrp="1"/>
+          </p:cNvSpPr>
+          <p:nvPr>
+            <p:ph idx="1"/>
+          </p:nvPr>
+        </p:nvSpPr>
+        <p:spPr/>
+        <p:txBody>
+          <a:bodyPr/>
+          <a:lstStyle/>
+          <a:p>
+            <a:r>
+              <a:rPr lang="de-CH" dirty="0" err="1"/>
+              <a:t>Unusefull</a:t>
+            </a:r>
+            <a:r>
+              <a:rPr lang="de-CH" dirty="0"/>
+              <a:t> </a:t>
+            </a:r>
+            <a:r>
+              <a:rPr lang="de-CH" dirty="0" err="1"/>
+              <a:t>documents</a:t>
+            </a:r>
+            <a:r>
+              <a:rPr lang="de-CH" dirty="0"/>
+              <a:t> </a:t>
+            </a:r>
+            <a:r>
+              <a:rPr lang="de-CH" dirty="0" err="1"/>
+              <a:t>delivered</a:t>
+            </a:r>
+            <a:r>
+              <a:rPr lang="de-CH" dirty="0"/>
+              <a:t> </a:t>
+            </a:r>
+            <a:r>
+              <a:rPr lang="de-CH" dirty="0" err="1"/>
+              <a:t>to</a:t>
+            </a:r>
+            <a:r>
+              <a:rPr lang="de-CH" dirty="0"/>
+              <a:t> LLM</a:t>
+            </a:r>
+          </a:p>
+          <a:p>
+            <a:r>
+              <a:rPr lang="de-CH" dirty="0"/>
+              <a:t>Short </a:t>
+            </a:r>
+            <a:r>
+              <a:rPr lang="de-CH" dirty="0" err="1"/>
+              <a:t>query</a:t>
+            </a:r>
+            <a:r>
+              <a:rPr lang="de-CH" dirty="0"/>
+              <a:t> </a:t>
+            </a:r>
+            <a:r>
+              <a:rPr lang="de-CH" dirty="0" err="1"/>
+              <a:t>leads</a:t>
+            </a:r>
+            <a:r>
+              <a:rPr lang="de-CH" dirty="0"/>
+              <a:t> </a:t>
+            </a:r>
+            <a:r>
+              <a:rPr lang="de-CH" dirty="0" err="1"/>
+              <a:t>to</a:t>
+            </a:r>
+            <a:r>
+              <a:rPr lang="de-CH" dirty="0"/>
+              <a:t> </a:t>
+            </a:r>
+            <a:r>
+              <a:rPr lang="de-CH" dirty="0" err="1"/>
+              <a:t>false</a:t>
+            </a:r>
+            <a:r>
+              <a:rPr lang="de-CH" dirty="0"/>
+              <a:t> </a:t>
+            </a:r>
+            <a:r>
+              <a:rPr lang="de-CH" dirty="0" err="1"/>
+              <a:t>documents</a:t>
+            </a:r>
+            <a:endParaRPr lang="de-CH" dirty="0"/>
+          </a:p>
+          <a:p>
+            <a:r>
+              <a:rPr lang="de-CH" dirty="0" err="1"/>
+              <a:t>Answers</a:t>
+            </a:r>
+            <a:r>
+              <a:rPr lang="de-CH" dirty="0"/>
+              <a:t> in English</a:t>
+            </a:r>
+          </a:p>
+          <a:p>
+            <a:r>
+              <a:rPr lang="de-CH" dirty="0" err="1"/>
+              <a:t>Some</a:t>
+            </a:r>
+            <a:r>
+              <a:rPr lang="de-CH" dirty="0"/>
+              <a:t> </a:t>
+            </a:r>
+            <a:r>
+              <a:rPr lang="de-CH" dirty="0" err="1"/>
+              <a:t>models</a:t>
+            </a:r>
+            <a:r>
+              <a:rPr lang="de-CH" dirty="0"/>
+              <a:t> </a:t>
+            </a:r>
+            <a:r>
+              <a:rPr lang="de-CH" dirty="0" err="1"/>
+              <a:t>tend</a:t>
+            </a:r>
+            <a:r>
+              <a:rPr lang="de-CH" dirty="0"/>
+              <a:t> </a:t>
+            </a:r>
+            <a:r>
+              <a:rPr lang="de-CH" dirty="0" err="1"/>
+              <a:t>to</a:t>
+            </a:r>
+            <a:r>
+              <a:rPr lang="de-CH" dirty="0"/>
+              <a:t> </a:t>
+            </a:r>
+            <a:r>
+              <a:rPr lang="de-CH" dirty="0" err="1"/>
+              <a:t>output</a:t>
+            </a:r>
+            <a:r>
+              <a:rPr lang="de-CH" dirty="0"/>
+              <a:t> original </a:t>
+            </a:r>
+            <a:r>
+              <a:rPr lang="de-CH" dirty="0" err="1"/>
+              <a:t>document</a:t>
+            </a:r>
+            <a:endParaRPr lang="de-CH" dirty="0"/>
+          </a:p>
+        </p:txBody>
+      </p:sp>
+      <p:sp>
+        <p:nvSpPr>
+          <p:cNvPr id="4" name="Titel 3">
+            <a:extLst>
+              <a:ext uri="{FF2B5EF4-FFF2-40B4-BE49-F238E27FC236}">
+                <a16:creationId xmlns:a16="http://schemas.microsoft.com/office/drawing/2014/main" id="{BD3AED09-769E-37D1-63A0-BBFB971D1711}"/>
+              </a:ext>
+            </a:extLst>
+          </p:cNvPr>
+          <p:cNvSpPr>
+            <a:spLocks noGrp="1"/>
+          </p:cNvSpPr>
+          <p:nvPr>
+            <p:ph type="title"/>
+          </p:nvPr>
+        </p:nvSpPr>
+        <p:spPr/>
+        <p:txBody>
+          <a:bodyPr/>
+          <a:lstStyle/>
+          <a:p>
+            <a:r>
+              <a:rPr lang="de-CH" dirty="0" err="1"/>
+              <a:t>Abserved</a:t>
+            </a:r>
+            <a:r>
+              <a:rPr lang="de-CH" dirty="0"/>
+              <a:t> </a:t>
+            </a:r>
+            <a:r>
+              <a:rPr lang="de-CH" dirty="0" err="1"/>
+              <a:t>issues</a:t>
+            </a:r>
+            <a:endParaRPr lang="de-CH" dirty="0"/>
+          </a:p>
+        </p:txBody>
+      </p:sp>
+    </p:spTree>
+    <p:extLst>
+      <p:ext uri="{BB962C8B-B14F-4D97-AF65-F5344CB8AC3E}">
+        <p14:creationId xmlns:p14="http://schemas.microsoft.com/office/powerpoint/2010/main" val="1863831643"/>
+      </p:ext>
+    </p:extLst>
+  </p:cSld>
+  <p:clrMapOvr>
+    <a:masterClrMapping/>
+  </p:clrMapOvr>
+</p:sld>
+</file>
+
+<file path=ppt/slides/slide7.xml><?xml version="1.0" encoding="utf-8"?>
+<p:sld xmlns:a="http://schemas.openxmlformats.org/drawingml/2006/main" xmlns:r="http://schemas.openxmlformats.org/officeDocument/2006/relationships" xmlns:p="http://schemas.openxmlformats.org/presentationml/2006/main">
+  <p:cSld>
+    <p:spTree>
+      <p:nvGrpSpPr>
+        <p:cNvPr id="1" name=""/>
+        <p:cNvGrpSpPr/>
+        <p:nvPr/>
+      </p:nvGrpSpPr>
+      <p:grpSpPr>
+        <a:xfrm>
+          <a:off x="0" y="0"/>
+          <a:ext cx="0" cy="0"/>
+          <a:chOff x="0" y="0"/>
+          <a:chExt cx="0" cy="0"/>
+        </a:xfrm>
+      </p:grpSpPr>
+      <p:sp>
+        <p:nvSpPr>
+          <p:cNvPr id="5" name="Inhaltsplatzhalter 4">
+            <a:extLst>
+              <a:ext uri="{FF2B5EF4-FFF2-40B4-BE49-F238E27FC236}">
                 <a16:creationId xmlns:a16="http://schemas.microsoft.com/office/drawing/2014/main" id="{CA3BFFF6-5E70-9BB5-2330-6EF10F2303CE}"/>
               </a:ext>
             </a:extLst>
@@ -7070,15 +7294,7 @@
             </a:r>
             <a:r>
               <a:rPr lang="de-CH" dirty="0"/>
-              <a:t> </a:t>
-            </a:r>
-            <a:r>
-              <a:rPr lang="de-CH" dirty="0" err="1"/>
-              <a:t>best</a:t>
-            </a:r>
-            <a:r>
-              <a:rPr lang="de-CH" dirty="0"/>
-              <a:t> LLM</a:t>
+              <a:t> Mistral and Apollo LLM</a:t>
             </a:r>
           </a:p>
           <a:p>

--- a/Presentation.pptx
+++ b/Presentation.pptx
@@ -7200,6 +7200,126 @@
           </a:p>
         </p:txBody>
       </p:sp>
+      <p:pic>
+        <p:nvPicPr>
+          <p:cNvPr id="3" name="Grafik 2">
+            <a:extLst>
+              <a:ext uri="{FF2B5EF4-FFF2-40B4-BE49-F238E27FC236}">
+                <a16:creationId xmlns:a16="http://schemas.microsoft.com/office/drawing/2014/main" id="{9E5C4807-3DD0-F965-6D03-D9B67AC530A2}"/>
+              </a:ext>
+            </a:extLst>
+          </p:cNvPr>
+          <p:cNvPicPr>
+            <a:picLocks noChangeAspect="1"/>
+          </p:cNvPicPr>
+          <p:nvPr/>
+        </p:nvPicPr>
+        <p:blipFill>
+          <a:blip r:embed="rId2"/>
+          <a:stretch>
+            <a:fillRect/>
+          </a:stretch>
+        </p:blipFill>
+        <p:spPr>
+          <a:xfrm>
+            <a:off x="5228389" y="452138"/>
+            <a:ext cx="6676190" cy="704762"/>
+          </a:xfrm>
+          <a:prstGeom prst="rect">
+            <a:avLst/>
+          </a:prstGeom>
+        </p:spPr>
+      </p:pic>
+      <p:pic>
+        <p:nvPicPr>
+          <p:cNvPr id="7" name="Grafik 6">
+            <a:extLst>
+              <a:ext uri="{FF2B5EF4-FFF2-40B4-BE49-F238E27FC236}">
+                <a16:creationId xmlns:a16="http://schemas.microsoft.com/office/drawing/2014/main" id="{48E2D47D-04F3-ED90-198A-95FF2157DEF5}"/>
+              </a:ext>
+            </a:extLst>
+          </p:cNvPr>
+          <p:cNvPicPr>
+            <a:picLocks noChangeAspect="1"/>
+          </p:cNvPicPr>
+          <p:nvPr/>
+        </p:nvPicPr>
+        <p:blipFill>
+          <a:blip r:embed="rId3"/>
+          <a:stretch>
+            <a:fillRect/>
+          </a:stretch>
+        </p:blipFill>
+        <p:spPr>
+          <a:xfrm>
+            <a:off x="5637912" y="1509281"/>
+            <a:ext cx="6266667" cy="609524"/>
+          </a:xfrm>
+          <a:prstGeom prst="rect">
+            <a:avLst/>
+          </a:prstGeom>
+        </p:spPr>
+      </p:pic>
+      <p:pic>
+        <p:nvPicPr>
+          <p:cNvPr id="13" name="Grafik 12">
+            <a:extLst>
+              <a:ext uri="{FF2B5EF4-FFF2-40B4-BE49-F238E27FC236}">
+                <a16:creationId xmlns:a16="http://schemas.microsoft.com/office/drawing/2014/main" id="{EE751A39-0D60-397F-6C2E-701E8C5A8140}"/>
+              </a:ext>
+            </a:extLst>
+          </p:cNvPr>
+          <p:cNvPicPr>
+            <a:picLocks noChangeAspect="1"/>
+          </p:cNvPicPr>
+          <p:nvPr/>
+        </p:nvPicPr>
+        <p:blipFill>
+          <a:blip r:embed="rId4"/>
+          <a:stretch>
+            <a:fillRect/>
+          </a:stretch>
+        </p:blipFill>
+        <p:spPr>
+          <a:xfrm>
+            <a:off x="2897637" y="3967767"/>
+            <a:ext cx="8000000" cy="771429"/>
+          </a:xfrm>
+          <a:prstGeom prst="rect">
+            <a:avLst/>
+          </a:prstGeom>
+        </p:spPr>
+      </p:pic>
+      <p:pic>
+        <p:nvPicPr>
+          <p:cNvPr id="15" name="Grafik 14">
+            <a:extLst>
+              <a:ext uri="{FF2B5EF4-FFF2-40B4-BE49-F238E27FC236}">
+                <a16:creationId xmlns:a16="http://schemas.microsoft.com/office/drawing/2014/main" id="{662B85AC-09A4-BFE9-D859-3360837C8C4B}"/>
+              </a:ext>
+            </a:extLst>
+          </p:cNvPr>
+          <p:cNvPicPr>
+            <a:picLocks noChangeAspect="1"/>
+          </p:cNvPicPr>
+          <p:nvPr/>
+        </p:nvPicPr>
+        <p:blipFill>
+          <a:blip r:embed="rId5"/>
+          <a:stretch>
+            <a:fillRect/>
+          </a:stretch>
+        </p:blipFill>
+        <p:spPr>
+          <a:xfrm>
+            <a:off x="1556960" y="4943957"/>
+            <a:ext cx="7009524" cy="809524"/>
+          </a:xfrm>
+          <a:prstGeom prst="rect">
+            <a:avLst/>
+          </a:prstGeom>
+        </p:spPr>
+      </p:pic>
     </p:spTree>
     <p:extLst>
       <p:ext uri="{BB962C8B-B14F-4D97-AF65-F5344CB8AC3E}">

--- a/Presentation.pptx
+++ b/Presentation.pptx
@@ -223,7 +223,7 @@
             <a:pPr rtl="0"/>
             <a:fld id="{E9C52F27-9568-449E-91AD-422D50F98681}" type="datetime1">
               <a:rPr lang="fr-FR" smtClean="0"/>
-              <a:t>27/01/2025</a:t>
+              <a:t>28/01/2025</a:t>
             </a:fld>
             <a:endParaRPr lang="fr-FR"/>
           </a:p>
@@ -405,7 +405,7 @@
             <a:pPr rtl="0"/>
             <a:fld id="{A74E5749-2F1F-4EC2-8B0E-C70BC8DC5653}" type="datetime1">
               <a:rPr lang="fr-FR" noProof="0" smtClean="0"/>
-              <a:t>27/01/2025</a:t>
+              <a:t>28/01/2025</a:t>
             </a:fld>
             <a:endParaRPr lang="fr-FR" noProof="0"/>
           </a:p>
@@ -1249,7 +1249,7 @@
             <a:pPr rtl="0"/>
             <a:fld id="{6A54D770-DDE2-496B-820F-2114146EA760}" type="datetime1">
               <a:rPr lang="fr-FR" noProof="0" smtClean="0"/>
-              <a:t>27/01/2025</a:t>
+              <a:t>28/01/2025</a:t>
             </a:fld>
             <a:endParaRPr lang="fr-FR" noProof="0"/>
           </a:p>
@@ -1503,7 +1503,7 @@
             <a:pPr rtl="0"/>
             <a:fld id="{F47F5C3C-8861-4EB8-8320-3C1423181046}" type="datetime1">
               <a:rPr lang="fr-FR" noProof="0" smtClean="0"/>
-              <a:t>27/01/2025</a:t>
+              <a:t>28/01/2025</a:t>
             </a:fld>
             <a:endParaRPr lang="fr-FR" noProof="0"/>
           </a:p>
@@ -2407,7 +2407,7 @@
             <a:pPr rtl="0"/>
             <a:fld id="{E4606CB2-5B10-4A19-B96D-1FD6460F6796}" type="datetime1">
               <a:rPr lang="fr-FR" noProof="0" smtClean="0"/>
-              <a:t>27/01/2025</a:t>
+              <a:t>28/01/2025</a:t>
             </a:fld>
             <a:endParaRPr lang="fr-FR" noProof="0"/>
           </a:p>
@@ -2591,7 +2591,7 @@
             <a:pPr rtl="0"/>
             <a:fld id="{20E64F76-0364-46F5-8499-341F81ACD65A}" type="datetime1">
               <a:rPr lang="fr-FR" noProof="0" smtClean="0"/>
-              <a:t>27/01/2025</a:t>
+              <a:t>28/01/2025</a:t>
             </a:fld>
             <a:endParaRPr lang="fr-FR" noProof="0"/>
           </a:p>
@@ -2903,7 +2903,7 @@
             <a:pPr rtl="0"/>
             <a:fld id="{2437BFB8-2C2D-4CF1-BFBA-B5FC691409F8}" type="datetime1">
               <a:rPr lang="fr-FR" noProof="0" smtClean="0"/>
-              <a:t>27/01/2025</a:t>
+              <a:t>28/01/2025</a:t>
             </a:fld>
             <a:endParaRPr lang="fr-FR" noProof="0"/>
           </a:p>
@@ -3143,7 +3143,7 @@
             <a:pPr rtl="0"/>
             <a:fld id="{417A4C62-B4E0-499F-B419-DF666510BD84}" type="datetime1">
               <a:rPr lang="fr-FR" noProof="0" smtClean="0"/>
-              <a:t>27/01/2025</a:t>
+              <a:t>28/01/2025</a:t>
             </a:fld>
             <a:endParaRPr lang="fr-FR" noProof="0"/>
           </a:p>
@@ -3567,7 +3567,7 @@
             <a:pPr rtl="0"/>
             <a:fld id="{831BD016-05E5-4C21-996D-A26E94AAB1B1}" type="datetime1">
               <a:rPr lang="fr-FR" noProof="0" smtClean="0"/>
-              <a:t>27/01/2025</a:t>
+              <a:t>28/01/2025</a:t>
             </a:fld>
             <a:endParaRPr lang="fr-FR" noProof="0"/>
           </a:p>
@@ -3731,7 +3731,7 @@
             <a:pPr rtl="0"/>
             <a:fld id="{CAEAF3DF-5F49-4400-A7AE-0E6B52C26D2C}" type="datetime1">
               <a:rPr lang="fr-FR" noProof="0" smtClean="0"/>
-              <a:t>27/01/2025</a:t>
+              <a:t>28/01/2025</a:t>
             </a:fld>
             <a:endParaRPr lang="fr-FR" noProof="0"/>
           </a:p>
@@ -3895,7 +3895,7 @@
             <a:pPr rtl="0"/>
             <a:fld id="{1EAA3E37-BB13-4D14-A6FF-D6BBE4E143C5}" type="datetime1">
               <a:rPr lang="fr-FR" noProof="0" smtClean="0"/>
-              <a:t>27/01/2025</a:t>
+              <a:t>28/01/2025</a:t>
             </a:fld>
             <a:endParaRPr lang="fr-FR" noProof="0"/>
           </a:p>
@@ -4104,7 +4104,7 @@
             <a:pPr rtl="0"/>
             <a:fld id="{722835AD-1804-4856-9953-CAB3D8B82790}" type="datetime1">
               <a:rPr lang="fr-FR" noProof="0" smtClean="0"/>
-              <a:t>27/01/2025</a:t>
+              <a:t>28/01/2025</a:t>
             </a:fld>
             <a:endParaRPr lang="fr-FR" noProof="0"/>
           </a:p>
@@ -4322,7 +4322,7 @@
             <a:pPr rtl="0"/>
             <a:fld id="{B13D94DF-4785-4777-A840-0F76AEA901CE}" type="datetime1">
               <a:rPr lang="fr-FR" noProof="0" smtClean="0"/>
-              <a:t>27/01/2025</a:t>
+              <a:t>28/01/2025</a:t>
             </a:fld>
             <a:endParaRPr lang="fr-FR" noProof="0"/>
           </a:p>
@@ -4683,7 +4683,7 @@
             <a:pPr rtl="0"/>
             <a:fld id="{6FDF2A45-B6FE-4314-8EE2-EF3AF27FABF1}" type="datetime1">
               <a:rPr lang="fr-FR" noProof="0" smtClean="0"/>
-              <a:t>27/01/2025</a:t>
+              <a:t>28/01/2025</a:t>
             </a:fld>
             <a:endParaRPr lang="fr-FR" noProof="0"/>
           </a:p>
@@ -5407,8 +5407,13 @@
             <a:pPr rtl="0"/>
             <a:r>
               <a:rPr lang="fr-FR" dirty="0"/>
-              <a:t>&lt;Nom de votre invention&gt;</a:t>
-            </a:r>
+              <a:t>challenges </a:t>
+            </a:r>
+            <a:r>
+              <a:rPr lang="fr-FR" dirty="0" err="1"/>
+              <a:t>observed</a:t>
+            </a:r>
+            <a:endParaRPr lang="fr-FR" dirty="0"/>
           </a:p>
         </p:txBody>
       </p:sp>
